--- a/doc/2018-inu-kotlin-04.pptx
+++ b/doc/2018-inu-kotlin-04.pptx
@@ -327,7 +327,7 @@
             <a:fld id="{207F23D9-DF40-4811-9C78-A2E2A32398DD}" type="datetimeFigureOut">
               <a:rPr lang="ko-KR" altLang="en-US" smtClean="0"/>
               <a:pPr/>
-              <a:t>2018-07-04</a:t>
+              <a:t>2018-07-05</a:t>
             </a:fld>
             <a:endParaRPr lang="ko-KR" altLang="en-US"/>
           </a:p>
@@ -494,7 +494,7 @@
             <a:fld id="{F3AF6795-A612-454E-AF7A-9192B1BEBB13}" type="datetimeFigureOut">
               <a:rPr lang="ko-KR" altLang="en-US" smtClean="0"/>
               <a:pPr/>
-              <a:t>2018-07-04</a:t>
+              <a:t>2018-07-05</a:t>
             </a:fld>
             <a:endParaRPr lang="ko-KR" altLang="en-US"/>
           </a:p>
@@ -2969,7 +2969,7 @@
             <a:fld id="{8761FD00-3F21-42CF-9EF5-8F6D81CE3AFD}" type="datetimeFigureOut">
               <a:rPr lang="ko-KR" altLang="en-US" smtClean="0"/>
               <a:pPr/>
-              <a:t>2018-07-04</a:t>
+              <a:t>2018-07-05</a:t>
             </a:fld>
             <a:endParaRPr lang="ko-KR" altLang="en-US"/>
           </a:p>
@@ -3715,7 +3715,7 @@
             <a:fld id="{8761FD00-3F21-42CF-9EF5-8F6D81CE3AFD}" type="datetimeFigureOut">
               <a:rPr lang="ko-KR" altLang="en-US" smtClean="0"/>
               <a:pPr/>
-              <a:t>2018-07-04</a:t>
+              <a:t>2018-07-05</a:t>
             </a:fld>
             <a:endParaRPr lang="ko-KR" altLang="en-US"/>
           </a:p>
@@ -4035,7 +4035,7 @@
             <a:fld id="{8761FD00-3F21-42CF-9EF5-8F6D81CE3AFD}" type="datetimeFigureOut">
               <a:rPr lang="ko-KR" altLang="en-US" smtClean="0"/>
               <a:pPr/>
-              <a:t>2018-07-04</a:t>
+              <a:t>2018-07-05</a:t>
             </a:fld>
             <a:endParaRPr lang="ko-KR" altLang="en-US"/>
           </a:p>
@@ -4297,7 +4297,7 @@
             <a:fld id="{8761FD00-3F21-42CF-9EF5-8F6D81CE3AFD}" type="datetimeFigureOut">
               <a:rPr lang="ko-KR" altLang="en-US" smtClean="0"/>
               <a:pPr/>
-              <a:t>2018-07-04</a:t>
+              <a:t>2018-07-05</a:t>
             </a:fld>
             <a:endParaRPr lang="ko-KR" altLang="en-US"/>
           </a:p>
@@ -4530,7 +4530,7 @@
             <a:fld id="{8761FD00-3F21-42CF-9EF5-8F6D81CE3AFD}" type="datetimeFigureOut">
               <a:rPr lang="ko-KR" altLang="en-US" smtClean="0"/>
               <a:pPr/>
-              <a:t>2018-07-04</a:t>
+              <a:t>2018-07-05</a:t>
             </a:fld>
             <a:endParaRPr lang="ko-KR" altLang="en-US"/>
           </a:p>
@@ -4763,7 +4763,7 @@
             <a:fld id="{8761FD00-3F21-42CF-9EF5-8F6D81CE3AFD}" type="datetimeFigureOut">
               <a:rPr lang="ko-KR" altLang="en-US" smtClean="0"/>
               <a:pPr/>
-              <a:t>2018-07-04</a:t>
+              <a:t>2018-07-05</a:t>
             </a:fld>
             <a:endParaRPr lang="ko-KR" altLang="en-US"/>
           </a:p>
@@ -7284,19 +7284,7 @@
                 <a:latin typeface="+mn-ea"/>
                 <a:ea typeface="+mn-ea"/>
               </a:rPr>
-              <a:t>Type </a:t>
-            </a:r>
-            <a:r>
-              <a:rPr lang="en-US" altLang="ko-KR" sz="3200" b="1" spc="-150" dirty="0">
-                <a:solidFill>
-                  <a:schemeClr val="accent4">
-                    <a:lumMod val="50000"/>
-                  </a:schemeClr>
-                </a:solidFill>
-                <a:latin typeface="+mn-ea"/>
-                <a:ea typeface="+mn-ea"/>
-              </a:rPr>
-              <a:t>parameter limitation</a:t>
+              <a:t>Type parameter limitation</a:t>
             </a:r>
             <a:endParaRPr lang="ko-KR" altLang="en-US" sz="3200" b="1" spc="-150" dirty="0">
               <a:solidFill>
@@ -9392,7 +9380,6 @@
               <a:rPr lang="en-US" altLang="ko-KR" dirty="0" smtClean="0"/>
               <a:t>)</a:t>
             </a:r>
-            <a:endParaRPr lang="en-US" altLang="ko-KR" dirty="0" smtClean="0"/>
           </a:p>
           <a:p>
             <a:pPr marL="285750" indent="-285750">
@@ -11075,7 +11062,7 @@
             </a:r>
             <a:r>
               <a:rPr lang="en-US" altLang="ko-KR" dirty="0" smtClean="0"/>
-              <a:t>super </a:t>
+              <a:t>extends</a:t>
             </a:r>
             <a:r>
               <a:rPr lang="ko-KR" altLang="en-US" dirty="0" smtClean="0"/>
@@ -11771,11 +11758,11 @@
               <a:t>자바의 </a:t>
             </a:r>
             <a:r>
-              <a:rPr lang="en-US" altLang="ko-KR" dirty="0" smtClean="0"/>
-              <a:t>extends </a:t>
-            </a:r>
-            <a:r>
-              <a:rPr lang="ko-KR" altLang="en-US" dirty="0" smtClean="0"/>
+              <a:rPr lang="en-US" altLang="ko-KR" smtClean="0"/>
+              <a:t>super</a:t>
+            </a:r>
+            <a:r>
+              <a:rPr lang="ko-KR" altLang="en-US" smtClean="0"/>
               <a:t>변형 </a:t>
             </a:r>
             <a:r>
@@ -17272,13 +17259,7 @@
               <a:rPr lang="ko-KR" altLang="en-US" sz="1200" dirty="0" smtClean="0">
                 <a:latin typeface="+mn-ea"/>
               </a:rPr>
-              <a:t> </a:t>
-            </a:r>
-            <a:r>
-              <a:rPr lang="ko-KR" altLang="en-US" sz="1200" dirty="0" smtClean="0">
-                <a:latin typeface="+mn-ea"/>
-              </a:rPr>
-              <a:t>고차 함수 </a:t>
+              <a:t> 고차 함수 </a:t>
             </a:r>
             <a:r>
               <a:rPr lang="en-US" altLang="ko-KR" sz="1200" dirty="0" err="1">
@@ -17742,357 +17723,321 @@
               </a:rPr>
               <a:t>6. </a:t>
             </a:r>
+          </a:p>
+          <a:p>
+            <a:r>
+              <a:rPr lang="en-US" altLang="ko-KR" sz="1200" dirty="0">
+                <a:latin typeface="+mn-ea"/>
+              </a:rPr>
+              <a:t>	</a:t>
+            </a:r>
+            <a:r>
+              <a:rPr lang="en-US" altLang="ko-KR" sz="1200" dirty="0" smtClean="0">
+                <a:latin typeface="+mn-ea"/>
+              </a:rPr>
+              <a:t>A : </a:t>
+            </a:r>
+            <a:r>
+              <a:rPr lang="ko-KR" altLang="en-US" sz="1200" dirty="0" smtClean="0">
+                <a:latin typeface="+mn-ea"/>
+              </a:rPr>
+              <a:t>리스트의</a:t>
+            </a:r>
+            <a:r>
+              <a:rPr lang="en-US" altLang="ko-KR" sz="1200" dirty="0" smtClean="0">
+                <a:latin typeface="+mn-ea"/>
+              </a:rPr>
+              <a:t> filter </a:t>
+            </a:r>
+            <a:r>
+              <a:rPr lang="ko-KR" altLang="en-US" sz="1200" dirty="0" smtClean="0">
+                <a:latin typeface="+mn-ea"/>
+              </a:rPr>
+              <a:t>로 짝수를 걸러내고</a:t>
+            </a:r>
+            <a:r>
+              <a:rPr lang="en-US" altLang="ko-KR" sz="1200" dirty="0" smtClean="0">
+                <a:latin typeface="+mn-ea"/>
+              </a:rPr>
+              <a:t>, map </a:t>
+            </a:r>
+            <a:r>
+              <a:rPr lang="ko-KR" altLang="en-US" sz="1200" dirty="0" smtClean="0">
+                <a:latin typeface="+mn-ea"/>
+              </a:rPr>
+              <a:t>에서 </a:t>
+            </a:r>
+            <a:r>
+              <a:rPr lang="en-US" altLang="ko-KR" sz="1200" dirty="0" err="1" smtClean="0">
+                <a:latin typeface="+mn-ea"/>
+              </a:rPr>
+              <a:t>Int</a:t>
+            </a:r>
+            <a:r>
+              <a:rPr lang="en-US" altLang="ko-KR" sz="1200" dirty="0" smtClean="0">
+                <a:latin typeface="+mn-ea"/>
+              </a:rPr>
+              <a:t> </a:t>
+            </a:r>
+            <a:r>
+              <a:rPr lang="ko-KR" altLang="en-US" sz="1200" dirty="0" smtClean="0">
+                <a:latin typeface="+mn-ea"/>
+              </a:rPr>
+              <a:t>를 </a:t>
+            </a:r>
+            <a:r>
+              <a:rPr lang="en-US" altLang="ko-KR" sz="1200" dirty="0" smtClean="0">
+                <a:latin typeface="+mn-ea"/>
+              </a:rPr>
+              <a:t>String </a:t>
+            </a:r>
+            <a:r>
+              <a:rPr lang="ko-KR" altLang="en-US" sz="1200" dirty="0" smtClean="0">
+                <a:latin typeface="+mn-ea"/>
+              </a:rPr>
+              <a:t>으로 바꾼 </a:t>
+            </a:r>
+            <a:r>
+              <a:rPr lang="en-US" altLang="ko-KR" sz="1200" dirty="0" smtClean="0">
+                <a:latin typeface="+mn-ea"/>
+              </a:rPr>
+              <a:t>String </a:t>
+            </a:r>
+            <a:r>
+              <a:rPr lang="ko-KR" altLang="en-US" sz="1200" dirty="0" smtClean="0">
+                <a:latin typeface="+mn-ea"/>
+              </a:rPr>
+              <a:t>리스트를 만든다</a:t>
+            </a:r>
+            <a:r>
+              <a:rPr lang="en-US" altLang="ko-KR" sz="1200" dirty="0" smtClean="0">
+                <a:latin typeface="+mn-ea"/>
+              </a:rPr>
+              <a:t>. </a:t>
+            </a:r>
+          </a:p>
+          <a:p>
+            <a:r>
+              <a:rPr lang="en-US" altLang="ko-KR" sz="1200" dirty="0" smtClean="0">
+                <a:latin typeface="+mn-ea"/>
+              </a:rPr>
+              <a:t>	B : </a:t>
+            </a:r>
+            <a:r>
+              <a:rPr lang="ko-KR" altLang="en-US" sz="1200" dirty="0" smtClean="0">
+                <a:latin typeface="+mn-ea"/>
+              </a:rPr>
+              <a:t>리스트를</a:t>
+            </a:r>
+            <a:r>
+              <a:rPr lang="en-US" altLang="ko-KR" sz="1200" dirty="0" smtClean="0">
+                <a:latin typeface="+mn-ea"/>
+              </a:rPr>
+              <a:t> </a:t>
+            </a:r>
+            <a:r>
+              <a:rPr lang="en-US" altLang="ko-KR" sz="1200" dirty="0" err="1" smtClean="0">
+                <a:latin typeface="+mn-ea"/>
+              </a:rPr>
+              <a:t>asSequence</a:t>
+            </a:r>
+            <a:r>
+              <a:rPr lang="en-US" altLang="ko-KR" sz="1200" dirty="0" smtClean="0">
+                <a:latin typeface="+mn-ea"/>
+              </a:rPr>
+              <a:t> </a:t>
+            </a:r>
+            <a:r>
+              <a:rPr lang="ko-KR" altLang="en-US" sz="1200" dirty="0" smtClean="0">
+                <a:latin typeface="+mn-ea"/>
+              </a:rPr>
+              <a:t>를 통해 </a:t>
+            </a:r>
+            <a:r>
+              <a:rPr lang="en-US" altLang="ko-KR" sz="1200" dirty="0" smtClean="0">
+                <a:latin typeface="+mn-ea"/>
+              </a:rPr>
+              <a:t>sequence </a:t>
+            </a:r>
+            <a:r>
+              <a:rPr lang="ko-KR" altLang="en-US" sz="1200" dirty="0" smtClean="0">
+                <a:latin typeface="+mn-ea"/>
+              </a:rPr>
+              <a:t>로 바꾸고 </a:t>
+            </a:r>
+            <a:r>
+              <a:rPr lang="en-US" altLang="ko-KR" sz="1200" dirty="0">
+                <a:latin typeface="+mn-ea"/>
+              </a:rPr>
+              <a:t>filter </a:t>
+            </a:r>
+            <a:r>
+              <a:rPr lang="ko-KR" altLang="en-US" sz="1200" dirty="0">
+                <a:latin typeface="+mn-ea"/>
+              </a:rPr>
+              <a:t>로 짝수를 걸러내고</a:t>
+            </a:r>
+            <a:r>
+              <a:rPr lang="en-US" altLang="ko-KR" sz="1200" dirty="0">
+                <a:latin typeface="+mn-ea"/>
+              </a:rPr>
+              <a:t>, </a:t>
+            </a:r>
+            <a:r>
+              <a:rPr lang="en-US" altLang="ko-KR" sz="1200" dirty="0" smtClean="0">
+                <a:latin typeface="+mn-ea"/>
+              </a:rPr>
+              <a:t/>
+            </a:r>
+            <a:br>
+              <a:rPr lang="en-US" altLang="ko-KR" sz="1200" dirty="0" smtClean="0">
+                <a:latin typeface="+mn-ea"/>
+              </a:rPr>
+            </a:br>
+            <a:r>
+              <a:rPr lang="en-US" altLang="ko-KR" sz="1200" dirty="0" smtClean="0">
+                <a:latin typeface="+mn-ea"/>
+              </a:rPr>
+              <a:t>	map </a:t>
+            </a:r>
+            <a:r>
+              <a:rPr lang="ko-KR" altLang="en-US" sz="1200" dirty="0">
+                <a:latin typeface="+mn-ea"/>
+              </a:rPr>
+              <a:t>에서 </a:t>
+            </a:r>
+            <a:r>
+              <a:rPr lang="en-US" altLang="ko-KR" sz="1200" dirty="0" err="1" smtClean="0">
+                <a:latin typeface="+mn-ea"/>
+              </a:rPr>
+              <a:t>Int</a:t>
+            </a:r>
+            <a:r>
+              <a:rPr lang="en-US" altLang="ko-KR" sz="1200" dirty="0" smtClean="0">
+                <a:latin typeface="+mn-ea"/>
+              </a:rPr>
+              <a:t> </a:t>
+            </a:r>
+            <a:r>
+              <a:rPr lang="ko-KR" altLang="en-US" sz="1200" dirty="0">
+                <a:latin typeface="+mn-ea"/>
+              </a:rPr>
+              <a:t>를 </a:t>
+            </a:r>
+            <a:r>
+              <a:rPr lang="en-US" altLang="ko-KR" sz="1200" dirty="0">
+                <a:latin typeface="+mn-ea"/>
+              </a:rPr>
+              <a:t>String </a:t>
+            </a:r>
+            <a:r>
+              <a:rPr lang="ko-KR" altLang="en-US" sz="1200" dirty="0">
+                <a:latin typeface="+mn-ea"/>
+              </a:rPr>
+              <a:t>으로 바꾼 </a:t>
+            </a:r>
+            <a:r>
+              <a:rPr lang="ko-KR" altLang="en-US" sz="1200" dirty="0" smtClean="0">
+                <a:latin typeface="+mn-ea"/>
+              </a:rPr>
+              <a:t>후 </a:t>
+            </a:r>
+            <a:r>
+              <a:rPr lang="en-US" altLang="ko-KR" sz="1200" dirty="0" err="1" smtClean="0">
+                <a:latin typeface="+mn-ea"/>
+              </a:rPr>
+              <a:t>toList</a:t>
+            </a:r>
+            <a:r>
+              <a:rPr lang="en-US" altLang="ko-KR" sz="1200" dirty="0" smtClean="0">
+                <a:latin typeface="+mn-ea"/>
+              </a:rPr>
+              <a:t> </a:t>
+            </a:r>
+            <a:r>
+              <a:rPr lang="ko-KR" altLang="en-US" sz="1200" dirty="0">
+                <a:latin typeface="+mn-ea"/>
+              </a:rPr>
+              <a:t>이</a:t>
+            </a:r>
+            <a:r>
+              <a:rPr lang="ko-KR" altLang="en-US" sz="1200" dirty="0" smtClean="0">
+                <a:latin typeface="+mn-ea"/>
+              </a:rPr>
+              <a:t>란 종단 함수를 통해 </a:t>
+            </a:r>
+            <a:r>
+              <a:rPr lang="en-US" altLang="ko-KR" sz="1200" dirty="0" smtClean="0">
+                <a:latin typeface="+mn-ea"/>
+              </a:rPr>
+              <a:t>String </a:t>
+            </a:r>
+            <a:r>
+              <a:rPr lang="ko-KR" altLang="en-US" sz="1200" dirty="0" smtClean="0">
+                <a:latin typeface="+mn-ea"/>
+              </a:rPr>
+              <a:t>리스트를 만든다</a:t>
+            </a:r>
+            <a:r>
+              <a:rPr lang="en-US" altLang="ko-KR" sz="1200" dirty="0" smtClean="0">
+                <a:latin typeface="+mn-ea"/>
+              </a:rPr>
+              <a:t>. </a:t>
+            </a:r>
+          </a:p>
+          <a:p>
             <a:endParaRPr lang="en-US" altLang="ko-KR" sz="1200" dirty="0" smtClean="0">
               <a:latin typeface="+mn-ea"/>
             </a:endParaRPr>
           </a:p>
           <a:p>
             <a:r>
-              <a:rPr lang="en-US" altLang="ko-KR" sz="1200" dirty="0">
-                <a:latin typeface="+mn-ea"/>
-              </a:rPr>
-              <a:t>	</a:t>
-            </a:r>
-            <a:r>
               <a:rPr lang="en-US" altLang="ko-KR" sz="1200" dirty="0" smtClean="0">
                 <a:latin typeface="+mn-ea"/>
               </a:rPr>
-              <a:t>A </a:t>
+              <a:t>8. A</a:t>
+            </a:r>
+            <a:r>
+              <a:rPr lang="ko-KR" altLang="en-US" sz="1200" dirty="0" smtClean="0">
+                <a:latin typeface="+mn-ea"/>
+              </a:rPr>
+              <a:t>와 </a:t>
             </a:r>
             <a:r>
               <a:rPr lang="en-US" altLang="ko-KR" sz="1200" dirty="0" smtClean="0">
                 <a:latin typeface="+mn-ea"/>
               </a:rPr>
-              <a:t>: </a:t>
+              <a:t>B </a:t>
             </a:r>
             <a:r>
               <a:rPr lang="ko-KR" altLang="en-US" sz="1200" dirty="0" smtClean="0">
                 <a:latin typeface="+mn-ea"/>
               </a:rPr>
-              <a:t>리스트의</a:t>
+              <a:t>를 </a:t>
+            </a:r>
+            <a:r>
+              <a:rPr lang="en-US" altLang="ko-KR" sz="1200" dirty="0" err="1" smtClean="0">
+                <a:latin typeface="+mn-ea"/>
+              </a:rPr>
+              <a:t>timeLogCheck</a:t>
             </a:r>
             <a:r>
               <a:rPr lang="en-US" altLang="ko-KR" sz="1200" dirty="0" smtClean="0">
                 <a:latin typeface="+mn-ea"/>
               </a:rPr>
-              <a:t> filter </a:t>
+              <a:t> </a:t>
             </a:r>
             <a:r>
               <a:rPr lang="ko-KR" altLang="en-US" sz="1200" dirty="0" smtClean="0">
                 <a:latin typeface="+mn-ea"/>
               </a:rPr>
-              <a:t>로 짝수를 걸러내고</a:t>
+              <a:t>를 통해 람다로 실행하여 실행시간 로그가 나오도록 한다</a:t>
             </a:r>
             <a:r>
               <a:rPr lang="en-US" altLang="ko-KR" sz="1200" dirty="0" smtClean="0">
                 <a:latin typeface="+mn-ea"/>
               </a:rPr>
-              <a:t>, map </a:t>
-            </a:r>
-            <a:r>
-              <a:rPr lang="ko-KR" altLang="en-US" sz="1200" dirty="0" smtClean="0">
-                <a:latin typeface="+mn-ea"/>
-              </a:rPr>
-              <a:t>에서 </a:t>
-            </a:r>
-            <a:r>
-              <a:rPr lang="en-US" altLang="ko-KR" sz="1200" dirty="0" err="1" smtClean="0">
-                <a:latin typeface="+mn-ea"/>
-              </a:rPr>
-              <a:t>Int</a:t>
-            </a:r>
-            <a:r>
-              <a:rPr lang="en-US" altLang="ko-KR" sz="1200" dirty="0" smtClean="0">
-                <a:latin typeface="+mn-ea"/>
-              </a:rPr>
-              <a:t> </a:t>
-            </a:r>
-            <a:r>
-              <a:rPr lang="ko-KR" altLang="en-US" sz="1200" dirty="0" smtClean="0">
-                <a:latin typeface="+mn-ea"/>
-              </a:rPr>
-              <a:t>를 </a:t>
-            </a:r>
-            <a:r>
-              <a:rPr lang="en-US" altLang="ko-KR" sz="1200" dirty="0" smtClean="0">
-                <a:latin typeface="+mn-ea"/>
-              </a:rPr>
-              <a:t>String </a:t>
-            </a:r>
-            <a:r>
-              <a:rPr lang="ko-KR" altLang="en-US" sz="1200" dirty="0" smtClean="0">
-                <a:latin typeface="+mn-ea"/>
-              </a:rPr>
-              <a:t>으로 바꾼 </a:t>
-            </a:r>
-            <a:r>
-              <a:rPr lang="en-US" altLang="ko-KR" sz="1200" dirty="0" smtClean="0">
-                <a:latin typeface="+mn-ea"/>
-              </a:rPr>
-              <a:t>String </a:t>
-            </a:r>
-            <a:r>
-              <a:rPr lang="ko-KR" altLang="en-US" sz="1200" dirty="0" smtClean="0">
-                <a:latin typeface="+mn-ea"/>
-              </a:rPr>
-              <a:t>리스트를 만든다</a:t>
-            </a:r>
-            <a:r>
-              <a:rPr lang="en-US" altLang="ko-KR" sz="1200" dirty="0" smtClean="0">
-                <a:latin typeface="+mn-ea"/>
-              </a:rPr>
               <a:t>. </a:t>
-            </a:r>
-          </a:p>
-          <a:p>
-            <a:r>
-              <a:rPr lang="en-US" altLang="ko-KR" sz="1200" dirty="0" smtClean="0">
-                <a:latin typeface="+mn-ea"/>
-              </a:rPr>
-              <a:t>	B </a:t>
-            </a:r>
-            <a:r>
-              <a:rPr lang="en-US" altLang="ko-KR" sz="1200" dirty="0" smtClean="0">
-                <a:latin typeface="+mn-ea"/>
-              </a:rPr>
-              <a:t>: </a:t>
-            </a:r>
-            <a:r>
-              <a:rPr lang="ko-KR" altLang="en-US" sz="1200" dirty="0" smtClean="0">
-                <a:latin typeface="+mn-ea"/>
-              </a:rPr>
-              <a:t>리스트를</a:t>
-            </a:r>
-            <a:r>
-              <a:rPr lang="en-US" altLang="ko-KR" sz="1200" dirty="0" smtClean="0">
-                <a:latin typeface="+mn-ea"/>
-              </a:rPr>
-              <a:t> </a:t>
-            </a:r>
-            <a:r>
-              <a:rPr lang="en-US" altLang="ko-KR" sz="1200" dirty="0" err="1" smtClean="0">
-                <a:latin typeface="+mn-ea"/>
-              </a:rPr>
-              <a:t>asSequence</a:t>
-            </a:r>
-            <a:r>
-              <a:rPr lang="en-US" altLang="ko-KR" sz="1200" dirty="0" smtClean="0">
-                <a:latin typeface="+mn-ea"/>
-              </a:rPr>
-              <a:t> </a:t>
-            </a:r>
-            <a:r>
-              <a:rPr lang="ko-KR" altLang="en-US" sz="1200" dirty="0" smtClean="0">
-                <a:latin typeface="+mn-ea"/>
-              </a:rPr>
-              <a:t>를 통해 </a:t>
-            </a:r>
-            <a:r>
-              <a:rPr lang="en-US" altLang="ko-KR" sz="1200" dirty="0" smtClean="0">
-                <a:latin typeface="+mn-ea"/>
-              </a:rPr>
-              <a:t>sequence </a:t>
-            </a:r>
-            <a:r>
-              <a:rPr lang="ko-KR" altLang="en-US" sz="1200" dirty="0" smtClean="0">
-                <a:latin typeface="+mn-ea"/>
-              </a:rPr>
-              <a:t>로 바꾸고 </a:t>
-            </a:r>
-            <a:r>
-              <a:rPr lang="en-US" altLang="ko-KR" sz="1200" dirty="0">
-                <a:latin typeface="+mn-ea"/>
-              </a:rPr>
-              <a:t>filter </a:t>
-            </a:r>
-            <a:r>
-              <a:rPr lang="ko-KR" altLang="en-US" sz="1200" dirty="0">
-                <a:latin typeface="+mn-ea"/>
-              </a:rPr>
-              <a:t>로 짝수를 걸러내고</a:t>
-            </a:r>
-            <a:r>
-              <a:rPr lang="en-US" altLang="ko-KR" sz="1200" dirty="0">
-                <a:latin typeface="+mn-ea"/>
-              </a:rPr>
-              <a:t>, </a:t>
-            </a:r>
-            <a:r>
-              <a:rPr lang="en-US" altLang="ko-KR" sz="1200" dirty="0" smtClean="0">
-                <a:latin typeface="+mn-ea"/>
-              </a:rPr>
-              <a:t/>
-            </a:r>
-            <a:br>
-              <a:rPr lang="en-US" altLang="ko-KR" sz="1200" dirty="0" smtClean="0">
-                <a:latin typeface="+mn-ea"/>
-              </a:rPr>
-            </a:br>
-            <a:r>
-              <a:rPr lang="en-US" altLang="ko-KR" sz="1200" dirty="0" smtClean="0">
-                <a:latin typeface="+mn-ea"/>
-              </a:rPr>
-              <a:t>	map </a:t>
-            </a:r>
-            <a:r>
-              <a:rPr lang="ko-KR" altLang="en-US" sz="1200" dirty="0">
-                <a:latin typeface="+mn-ea"/>
-              </a:rPr>
-              <a:t>에서 </a:t>
-            </a:r>
-            <a:r>
-              <a:rPr lang="en-US" altLang="ko-KR" sz="1200" dirty="0" err="1" smtClean="0">
-                <a:latin typeface="+mn-ea"/>
-              </a:rPr>
-              <a:t>Int</a:t>
-            </a:r>
-            <a:r>
-              <a:rPr lang="en-US" altLang="ko-KR" sz="1200" dirty="0" smtClean="0">
-                <a:latin typeface="+mn-ea"/>
-              </a:rPr>
-              <a:t> </a:t>
-            </a:r>
-            <a:r>
-              <a:rPr lang="ko-KR" altLang="en-US" sz="1200" dirty="0">
-                <a:latin typeface="+mn-ea"/>
-              </a:rPr>
-              <a:t>를 </a:t>
-            </a:r>
-            <a:r>
-              <a:rPr lang="en-US" altLang="ko-KR" sz="1200" dirty="0">
-                <a:latin typeface="+mn-ea"/>
-              </a:rPr>
-              <a:t>String </a:t>
-            </a:r>
-            <a:r>
-              <a:rPr lang="ko-KR" altLang="en-US" sz="1200" dirty="0">
-                <a:latin typeface="+mn-ea"/>
-              </a:rPr>
-              <a:t>으로 바꾼 </a:t>
-            </a:r>
-            <a:r>
-              <a:rPr lang="ko-KR" altLang="en-US" sz="1200" dirty="0" smtClean="0">
-                <a:latin typeface="+mn-ea"/>
-              </a:rPr>
-              <a:t>후 </a:t>
-            </a:r>
-            <a:r>
-              <a:rPr lang="en-US" altLang="ko-KR" sz="1200" dirty="0" err="1" smtClean="0">
-                <a:latin typeface="+mn-ea"/>
-              </a:rPr>
-              <a:t>toList</a:t>
-            </a:r>
-            <a:r>
-              <a:rPr lang="en-US" altLang="ko-KR" sz="1200" dirty="0" smtClean="0">
-                <a:latin typeface="+mn-ea"/>
-              </a:rPr>
-              <a:t> </a:t>
-            </a:r>
-            <a:r>
-              <a:rPr lang="ko-KR" altLang="en-US" sz="1200" dirty="0">
-                <a:latin typeface="+mn-ea"/>
-              </a:rPr>
-              <a:t>이</a:t>
-            </a:r>
-            <a:r>
-              <a:rPr lang="ko-KR" altLang="en-US" sz="1200" dirty="0" smtClean="0">
-                <a:latin typeface="+mn-ea"/>
-              </a:rPr>
-              <a:t>란 </a:t>
-            </a:r>
-            <a:r>
-              <a:rPr lang="ko-KR" altLang="en-US" sz="1200" dirty="0" smtClean="0">
-                <a:latin typeface="+mn-ea"/>
-              </a:rPr>
-              <a:t>종단 함수를 통해 </a:t>
-            </a:r>
-            <a:r>
-              <a:rPr lang="en-US" altLang="ko-KR" sz="1200" dirty="0" smtClean="0">
-                <a:latin typeface="+mn-ea"/>
-              </a:rPr>
-              <a:t>String </a:t>
-            </a:r>
-            <a:r>
-              <a:rPr lang="ko-KR" altLang="en-US" sz="1200" dirty="0" smtClean="0">
-                <a:latin typeface="+mn-ea"/>
-              </a:rPr>
-              <a:t>리스트를 만든다</a:t>
-            </a:r>
-            <a:r>
-              <a:rPr lang="en-US" altLang="ko-KR" sz="1200" dirty="0" smtClean="0">
-                <a:latin typeface="+mn-ea"/>
-              </a:rPr>
-              <a:t>. </a:t>
-            </a:r>
-            <a:endParaRPr lang="en-US" altLang="ko-KR" sz="1200" dirty="0" smtClean="0">
-              <a:latin typeface="+mn-ea"/>
-            </a:endParaRPr>
-          </a:p>
-          <a:p>
-            <a:endParaRPr lang="en-US" altLang="ko-KR" sz="1200" dirty="0" smtClean="0">
-              <a:latin typeface="+mn-ea"/>
-            </a:endParaRPr>
-          </a:p>
-          <a:p>
-            <a:r>
-              <a:rPr lang="en-US" altLang="ko-KR" sz="1200" dirty="0" smtClean="0">
-                <a:latin typeface="+mn-ea"/>
-              </a:rPr>
-              <a:t>8. A</a:t>
-            </a:r>
-            <a:r>
-              <a:rPr lang="ko-KR" altLang="en-US" sz="1200" dirty="0" smtClean="0">
-                <a:latin typeface="+mn-ea"/>
-              </a:rPr>
-              <a:t>와 </a:t>
-            </a:r>
-            <a:r>
-              <a:rPr lang="en-US" altLang="ko-KR" sz="1200" dirty="0" smtClean="0">
-                <a:latin typeface="+mn-ea"/>
-              </a:rPr>
-              <a:t>B </a:t>
-            </a:r>
-            <a:r>
-              <a:rPr lang="ko-KR" altLang="en-US" sz="1200" dirty="0" smtClean="0">
-                <a:latin typeface="+mn-ea"/>
-              </a:rPr>
-              <a:t>를 </a:t>
-            </a:r>
-            <a:r>
-              <a:rPr lang="en-US" altLang="ko-KR" sz="1200" dirty="0" err="1" smtClean="0">
-                <a:latin typeface="+mn-ea"/>
-              </a:rPr>
-              <a:t>timeLogCheck</a:t>
-            </a:r>
-            <a:r>
-              <a:rPr lang="en-US" altLang="ko-KR" sz="1200" dirty="0" smtClean="0">
-                <a:latin typeface="+mn-ea"/>
-              </a:rPr>
-              <a:t> </a:t>
-            </a:r>
-            <a:r>
-              <a:rPr lang="ko-KR" altLang="en-US" sz="1200" dirty="0" smtClean="0">
-                <a:latin typeface="+mn-ea"/>
-              </a:rPr>
-              <a:t>를 통해 람다로 실행하여 </a:t>
-            </a:r>
-            <a:r>
-              <a:rPr lang="ko-KR" altLang="en-US" sz="1200" dirty="0" smtClean="0">
-                <a:latin typeface="+mn-ea"/>
-              </a:rPr>
-              <a:t>실행시간 로그가 나오도록 한다</a:t>
-            </a:r>
-            <a:r>
-              <a:rPr lang="en-US" altLang="ko-KR" sz="1200" dirty="0" smtClean="0">
-                <a:latin typeface="+mn-ea"/>
-              </a:rPr>
-              <a:t>. </a:t>
-            </a:r>
-            <a:r>
-              <a:rPr lang="en-US" altLang="ko-KR" sz="1200" dirty="0" smtClean="0">
-                <a:latin typeface="+mn-ea"/>
-              </a:rPr>
-              <a:t/>
             </a:r>
             <a:br>
               <a:rPr lang="en-US" altLang="ko-KR" sz="1200" dirty="0" smtClean="0">
@@ -19077,13 +19022,7 @@
               <a:rPr lang="ko-KR" altLang="en-US" dirty="0" smtClean="0">
                 <a:latin typeface="+mn-ea"/>
               </a:rPr>
-              <a:t>하는 </a:t>
-            </a:r>
-            <a:r>
-              <a:rPr lang="ko-KR" altLang="en-US" dirty="0" smtClean="0">
-                <a:latin typeface="+mn-ea"/>
-              </a:rPr>
-              <a:t>프로그래밍</a:t>
+              <a:t>하는 프로그래밍</a:t>
             </a:r>
             <a:endParaRPr lang="en-US" altLang="ko-KR" dirty="0" smtClean="0">
               <a:latin typeface="+mn-ea"/>
@@ -19173,19 +19112,7 @@
               <a:rPr lang="ko-KR" altLang="en-US" dirty="0" smtClean="0">
                 <a:latin typeface="+mn-ea"/>
               </a:rPr>
-              <a:t>하나의 </a:t>
-            </a:r>
-            <a:r>
-              <a:rPr lang="ko-KR" altLang="en-US" dirty="0" smtClean="0">
-                <a:latin typeface="+mn-ea"/>
-              </a:rPr>
-              <a:t>코드로 다양한 타입 </a:t>
-            </a:r>
-            <a:r>
-              <a:rPr lang="ko-KR" altLang="en-US" dirty="0" smtClean="0">
-                <a:latin typeface="+mn-ea"/>
-              </a:rPr>
-              <a:t>처리</a:t>
+              <a:t>하나의 코드로 다양한 타입 처리</a:t>
             </a:r>
             <a:endParaRPr lang="en-US" altLang="ko-KR" dirty="0">
               <a:latin typeface="+mn-ea"/>
@@ -19251,13 +19178,7 @@
               <a:rPr lang="ko-KR" altLang="en-US" dirty="0" smtClean="0">
                 <a:latin typeface="+mn-ea"/>
               </a:rPr>
-              <a:t>캐스팅 </a:t>
-            </a:r>
-            <a:r>
-              <a:rPr lang="ko-KR" altLang="en-US" dirty="0" smtClean="0">
-                <a:latin typeface="+mn-ea"/>
-              </a:rPr>
-              <a:t>필요 </a:t>
+              <a:t>캐스팅 필요 </a:t>
             </a:r>
             <a:r>
               <a:rPr lang="en-US" altLang="ko-KR" dirty="0" smtClean="0">
@@ -19290,13 +19211,7 @@
               <a:rPr lang="ko-KR" altLang="en-US" dirty="0" smtClean="0">
                 <a:latin typeface="+mn-ea"/>
               </a:rPr>
-              <a:t>실수로 </a:t>
-            </a:r>
-            <a:r>
-              <a:rPr lang="ko-KR" altLang="en-US" dirty="0" smtClean="0">
-                <a:latin typeface="+mn-ea"/>
-              </a:rPr>
-              <a:t>다른 타입을 전달 했을 때 오류 찾기 </a:t>
+              <a:t>실수로 다른 타입을 전달 했을 때 오류 찾기 </a:t>
             </a:r>
             <a:r>
               <a:rPr lang="ko-KR" altLang="en-US" dirty="0" err="1" smtClean="0">
@@ -19765,11 +19680,7 @@
             </a:r>
             <a:r>
               <a:rPr lang="ko-KR" altLang="en-US" dirty="0" smtClean="0"/>
-              <a:t> </a:t>
-            </a:r>
-            <a:r>
-              <a:rPr lang="ko-KR" altLang="en-US" dirty="0" smtClean="0"/>
-              <a:t>함수 </a:t>
+              <a:t> 함수 </a:t>
             </a:r>
             <a:endParaRPr lang="en-US" altLang="ko-KR" dirty="0" smtClean="0"/>
           </a:p>
@@ -20691,11 +20602,7 @@
             </a:r>
             <a:r>
               <a:rPr lang="en-US" altLang="ko-KR" dirty="0" smtClean="0"/>
-              <a:t>&lt;String</a:t>
-            </a:r>
-            <a:r>
-              <a:rPr lang="en-US" altLang="ko-KR" dirty="0" smtClean="0"/>
-              <a:t>&gt;(“a”, “b”, “c</a:t>
+              <a:t>&lt;String&gt;(“a”, “b”, “c</a:t>
             </a:r>
             <a:r>
               <a:rPr lang="en-US" altLang="ko-KR" dirty="0"/>
@@ -20726,11 +20633,7 @@
             </a:r>
             <a:r>
               <a:rPr lang="ko-KR" altLang="en-US" dirty="0" smtClean="0"/>
-              <a:t> 명시적으로 </a:t>
-            </a:r>
-            <a:r>
-              <a:rPr lang="ko-KR" altLang="en-US" dirty="0" smtClean="0"/>
-              <a:t>선언</a:t>
+              <a:t> 명시적으로 선언</a:t>
             </a:r>
             <a:endParaRPr lang="en-US" altLang="ko-KR" dirty="0" smtClean="0"/>
           </a:p>
@@ -23478,11 +23381,7 @@
             </a:pPr>
             <a:r>
               <a:rPr lang="en-US" altLang="ko-KR" dirty="0" smtClean="0"/>
-              <a:t>Extension </a:t>
-            </a:r>
-            <a:r>
-              <a:rPr lang="en-US" altLang="ko-KR" dirty="0" smtClean="0"/>
-              <a:t>property </a:t>
+              <a:t>Extension property </a:t>
             </a:r>
             <a:r>
               <a:rPr lang="ko-KR" altLang="en-US" dirty="0" smtClean="0"/>
@@ -23513,19 +23412,7 @@
                   </a:outerShdw>
                 </a:effectLst>
               </a:rPr>
-              <a:t>Val </a:t>
-            </a:r>
-            <a:r>
-              <a:rPr lang="en-US" altLang="ko-KR" sz="2000" b="1" dirty="0" smtClean="0">
-                <a:effectLst>
-                  <a:outerShdw blurRad="38100" dist="38100" dir="2700000" algn="tl">
-                    <a:srgbClr val="000000">
-                      <a:alpha val="43137"/>
-                    </a:srgbClr>
-                  </a:outerShdw>
-                </a:effectLst>
-              </a:rPr>
-              <a:t>&lt;T&gt; List&lt;T&gt;.penultimate: T</a:t>
+              <a:t>Val &lt;T&gt; List&lt;T&gt;.penultimate: T</a:t>
             </a:r>
           </a:p>
           <a:p>
@@ -23566,11 +23453,7 @@
             </a:r>
             <a:r>
               <a:rPr lang="en-US" altLang="ko-KR" dirty="0" smtClean="0"/>
-              <a:t> </a:t>
-            </a:r>
-            <a:r>
-              <a:rPr lang="en-US" altLang="ko-KR" dirty="0" smtClean="0"/>
-              <a:t>&lt;T&gt; x:T? = null // </a:t>
+              <a:t> &lt;T&gt; x:T? = null // </a:t>
             </a:r>
             <a:r>
               <a:rPr lang="ko-KR" altLang="en-US" dirty="0" smtClean="0"/>

--- a/doc/2018-inu-kotlin-04.pptx
+++ b/doc/2018-inu-kotlin-04.pptx
@@ -11758,11 +11758,11 @@
               <a:t>자바의 </a:t>
             </a:r>
             <a:r>
-              <a:rPr lang="en-US" altLang="ko-KR" smtClean="0"/>
+              <a:rPr lang="en-US" altLang="ko-KR" dirty="0" smtClean="0"/>
               <a:t>super</a:t>
             </a:r>
             <a:r>
-              <a:rPr lang="ko-KR" altLang="en-US" smtClean="0"/>
+              <a:rPr lang="ko-KR" altLang="en-US" dirty="0" smtClean="0"/>
               <a:t>변형 </a:t>
             </a:r>
             <a:r>
